--- a/Lending Club.pptx
+++ b/Lending Club.pptx
@@ -13,6 +13,9 @@
     <p:sldId id="261" r:id="rId7"/>
     <p:sldId id="262" r:id="rId8"/>
     <p:sldId id="263" r:id="rId9"/>
+    <p:sldId id="265" r:id="rId10"/>
+    <p:sldId id="267" r:id="rId11"/>
+    <p:sldId id="266" r:id="rId12"/>
   </p:sldIdLst>
   <p:sldSz cx="12192000" cy="6858000"/>
   <p:notesSz cx="6858000" cy="9144000"/>
@@ -123,6 +126,7 @@
 <p1510:revInfo xmlns:a="http://schemas.openxmlformats.org/drawingml/2006/main" xmlns:r="http://schemas.openxmlformats.org/officeDocument/2006/relationships" xmlns:p1510="http://schemas.microsoft.com/office/powerpoint/2015/10/main">
   <p1510:revLst>
     <p1510:client id="{CDBF705C-14BE-40B6-93BC-93EFBE485D7E}" v="1001" dt="2021-12-08T16:19:06.746"/>
+    <p1510:client id="{D1869459-4855-9171-8A3B-6E26D3169B30}" v="353" dt="2021-12-08T18:27:30.016"/>
   </p1510:revLst>
 </p1510:revInfo>
 </file>
@@ -13971,6 +13975,669 @@
 </p:sld>
 </file>
 
+<file path=ppt/slides/slide10.xml><?xml version="1.0" encoding="utf-8"?>
+<p:sld xmlns:a="http://schemas.openxmlformats.org/drawingml/2006/main" xmlns:r="http://schemas.openxmlformats.org/officeDocument/2006/relationships" xmlns:p="http://schemas.openxmlformats.org/presentationml/2006/main">
+  <p:cSld>
+    <p:bg>
+      <p:bgPr>
+        <a:solidFill>
+          <a:schemeClr val="bg1"/>
+        </a:solidFill>
+        <a:effectLst/>
+      </p:bgPr>
+    </p:bg>
+    <p:spTree>
+      <p:nvGrpSpPr>
+        <p:cNvPr id="1" name=""/>
+        <p:cNvGrpSpPr/>
+        <p:nvPr/>
+      </p:nvGrpSpPr>
+      <p:grpSpPr>
+        <a:xfrm>
+          <a:off x="0" y="0"/>
+          <a:ext cx="0" cy="0"/>
+          <a:chOff x="0" y="0"/>
+          <a:chExt cx="0" cy="0"/>
+        </a:xfrm>
+      </p:grpSpPr>
+      <p:sp>
+        <p:nvSpPr>
+          <p:cNvPr id="2" name="Title 1">
+            <a:extLst>
+              <a:ext uri="{FF2B5EF4-FFF2-40B4-BE49-F238E27FC236}">
+                <a16:creationId xmlns:a16="http://schemas.microsoft.com/office/drawing/2014/main" id="{CFF59B66-1651-4FCD-B326-51959DA45C8F}"/>
+              </a:ext>
+            </a:extLst>
+          </p:cNvPr>
+          <p:cNvSpPr>
+            <a:spLocks noGrp="1"/>
+          </p:cNvSpPr>
+          <p:nvPr>
+            <p:ph type="title"/>
+          </p:nvPr>
+        </p:nvSpPr>
+        <p:spPr>
+          <a:xfrm>
+            <a:off x="1154953" y="973668"/>
+            <a:ext cx="8761413" cy="706964"/>
+          </a:xfrm>
+        </p:spPr>
+        <p:txBody>
+          <a:bodyPr vert="horz" lIns="91440" tIns="45720" rIns="91440" bIns="45720" rtlCol="0" anchor="ctr">
+            <a:normAutofit fontScale="90000"/>
+          </a:bodyPr>
+          <a:lstStyle/>
+          <a:p>
+            <a:r>
+              <a:rPr lang="en-US" dirty="0"/>
+              <a:t>Impact of Homeownership and Experience</a:t>
+            </a:r>
+          </a:p>
+        </p:txBody>
+      </p:sp>
+      <p:sp>
+        <p:nvSpPr>
+          <p:cNvPr id="8" name="Rectangle: Rounded Corners 7">
+            <a:extLst>
+              <a:ext uri="{FF2B5EF4-FFF2-40B4-BE49-F238E27FC236}">
+                <a16:creationId xmlns:a16="http://schemas.microsoft.com/office/drawing/2014/main" id="{01984852-74E2-43AB-81F3-152250B57A3C}"/>
+              </a:ext>
+            </a:extLst>
+          </p:cNvPr>
+          <p:cNvSpPr/>
+          <p:nvPr/>
+        </p:nvSpPr>
+        <p:spPr>
+          <a:xfrm>
+            <a:off x="669533" y="2513189"/>
+            <a:ext cx="3481054" cy="3416300"/>
+          </a:xfrm>
+          <a:prstGeom prst="roundRect">
+            <a:avLst/>
+          </a:prstGeom>
+        </p:spPr>
+        <p:style>
+          <a:lnRef idx="2">
+            <a:schemeClr val="accent1">
+              <a:shade val="50000"/>
+            </a:schemeClr>
+          </a:lnRef>
+          <a:fillRef idx="1">
+            <a:schemeClr val="accent1"/>
+          </a:fillRef>
+          <a:effectRef idx="0">
+            <a:schemeClr val="accent1"/>
+          </a:effectRef>
+          <a:fontRef idx="minor">
+            <a:schemeClr val="lt1"/>
+          </a:fontRef>
+        </p:style>
+        <p:txBody>
+          <a:bodyPr vert="horz" lIns="91440" tIns="45720" rIns="91440" bIns="45720" rtlCol="0" anchor="ctr">
+            <a:normAutofit/>
+          </a:bodyPr>
+          <a:lstStyle/>
+          <a:p>
+            <a:pPr marL="285750" indent="-285750" defTabSz="457200">
+              <a:spcBef>
+                <a:spcPts val="1000"/>
+              </a:spcBef>
+              <a:buClr>
+                <a:schemeClr val="accent1"/>
+              </a:buClr>
+              <a:buSzPct val="80000"/>
+              <a:buFont typeface="Arial" charset="2"/>
+              <a:buChar char="•"/>
+            </a:pPr>
+            <a:r>
+              <a:rPr lang="en-US" sz="1600" dirty="0">
+                <a:solidFill>
+                  <a:schemeClr val="tx1"/>
+                </a:solidFill>
+                <a:ea typeface="+mn-lt"/>
+                <a:cs typeface="+mn-lt"/>
+              </a:rPr>
+              <a:t>Mortgaged and rented homeowners shows a greater number of loan with more defaulters when interest rate is medium to high.</a:t>
+            </a:r>
+          </a:p>
+          <a:p>
+            <a:pPr marL="285750" indent="-285750" defTabSz="457200">
+              <a:spcBef>
+                <a:spcPts val="1000"/>
+              </a:spcBef>
+              <a:buClr>
+                <a:schemeClr val="accent1"/>
+              </a:buClr>
+              <a:buSzPct val="80000"/>
+              <a:buFont typeface="Arial" charset="2"/>
+              <a:buChar char="•"/>
+            </a:pPr>
+            <a:r>
+              <a:rPr lang="en-US" sz="1600" dirty="0">
+                <a:solidFill>
+                  <a:schemeClr val="tx1"/>
+                </a:solidFill>
+                <a:ea typeface="+mn-lt"/>
+                <a:cs typeface="+mn-lt"/>
+              </a:rPr>
+              <a:t>Seniors accounts for more defaults but juniors with rented house also accounts to more default than mortgaged</a:t>
+            </a:r>
+            <a:endParaRPr lang="en-US" sz="1600" dirty="0">
+              <a:solidFill>
+                <a:schemeClr val="tx1"/>
+              </a:solidFill>
+            </a:endParaRPr>
+          </a:p>
+          <a:p>
+            <a:pPr marL="285750" indent="-285750" defTabSz="457200">
+              <a:spcBef>
+                <a:spcPts val="1000"/>
+              </a:spcBef>
+              <a:buClr>
+                <a:srgbClr val="ACD433"/>
+              </a:buClr>
+              <a:buSzPct val="80000"/>
+              <a:buFont typeface="Arial" charset="2"/>
+              <a:buChar char="•"/>
+            </a:pPr>
+            <a:endParaRPr lang="en-US" sz="1600" dirty="0">
+              <a:solidFill>
+                <a:schemeClr val="tx1"/>
+              </a:solidFill>
+            </a:endParaRPr>
+          </a:p>
+        </p:txBody>
+      </p:sp>
+      <p:sp>
+        <p:nvSpPr>
+          <p:cNvPr id="4" name="TextBox 3">
+            <a:extLst>
+              <a:ext uri="{FF2B5EF4-FFF2-40B4-BE49-F238E27FC236}">
+                <a16:creationId xmlns:a16="http://schemas.microsoft.com/office/drawing/2014/main" id="{362702D3-DA8A-4DF1-AC53-10B013D6C193}"/>
+              </a:ext>
+            </a:extLst>
+          </p:cNvPr>
+          <p:cNvSpPr txBox="1"/>
+          <p:nvPr/>
+        </p:nvSpPr>
+        <p:spPr>
+          <a:xfrm>
+            <a:off x="1258711" y="2782711"/>
+            <a:ext cx="2743200" cy="369332"/>
+          </a:xfrm>
+          <a:prstGeom prst="rect">
+            <a:avLst/>
+          </a:prstGeom>
+          <a:noFill/>
+        </p:spPr>
+        <p:txBody>
+          <a:bodyPr rot="0" spcFirstLastPara="0" vertOverflow="overflow" horzOverflow="overflow" vert="horz" wrap="square" lIns="91440" tIns="45720" rIns="91440" bIns="45720" numCol="1" spcCol="0" rtlCol="0" fromWordArt="0" anchor="t" anchorCtr="0" forceAA="0" compatLnSpc="1">
+            <a:prstTxWarp prst="textNoShape">
+              <a:avLst/>
+            </a:prstTxWarp>
+            <a:spAutoFit/>
+          </a:bodyPr>
+          <a:lstStyle/>
+          <a:p>
+            <a:endParaRPr lang="en-US" dirty="0"/>
+          </a:p>
+        </p:txBody>
+      </p:sp>
+      <p:pic>
+        <p:nvPicPr>
+          <p:cNvPr id="7" name="Picture 8" descr="Chart, bar chart&#10;&#10;Description automatically generated">
+            <a:extLst>
+              <a:ext uri="{FF2B5EF4-FFF2-40B4-BE49-F238E27FC236}">
+                <a16:creationId xmlns:a16="http://schemas.microsoft.com/office/drawing/2014/main" id="{BF16B2D6-1C7C-4D86-9BDD-D1169D47C14B}"/>
+              </a:ext>
+            </a:extLst>
+          </p:cNvPr>
+          <p:cNvPicPr>
+            <a:picLocks noChangeAspect="1"/>
+          </p:cNvPicPr>
+          <p:nvPr/>
+        </p:nvPicPr>
+        <p:blipFill>
+          <a:blip r:embed="rId2"/>
+          <a:stretch>
+            <a:fillRect/>
+          </a:stretch>
+        </p:blipFill>
+        <p:spPr>
+          <a:xfrm>
+            <a:off x="4498623" y="2603416"/>
+            <a:ext cx="7411155" cy="3728323"/>
+          </a:xfrm>
+          <a:prstGeom prst="rect">
+            <a:avLst/>
+          </a:prstGeom>
+        </p:spPr>
+      </p:pic>
+    </p:spTree>
+    <p:extLst>
+      <p:ext uri="{BB962C8B-B14F-4D97-AF65-F5344CB8AC3E}">
+        <p14:creationId xmlns:p14="http://schemas.microsoft.com/office/powerpoint/2010/main" val="1963063842"/>
+      </p:ext>
+    </p:extLst>
+  </p:cSld>
+  <p:clrMapOvr>
+    <a:masterClrMapping/>
+  </p:clrMapOvr>
+</p:sld>
+</file>
+
+<file path=ppt/slides/slide11.xml><?xml version="1.0" encoding="utf-8"?>
+<p:sld xmlns:a="http://schemas.openxmlformats.org/drawingml/2006/main" xmlns:r="http://schemas.openxmlformats.org/officeDocument/2006/relationships" xmlns:p="http://schemas.openxmlformats.org/presentationml/2006/main">
+  <p:cSld>
+    <p:spTree>
+      <p:nvGrpSpPr>
+        <p:cNvPr id="1" name=""/>
+        <p:cNvGrpSpPr/>
+        <p:nvPr/>
+      </p:nvGrpSpPr>
+      <p:grpSpPr>
+        <a:xfrm>
+          <a:off x="0" y="0"/>
+          <a:ext cx="0" cy="0"/>
+          <a:chOff x="0" y="0"/>
+          <a:chExt cx="0" cy="0"/>
+        </a:xfrm>
+      </p:grpSpPr>
+      <p:sp>
+        <p:nvSpPr>
+          <p:cNvPr id="2" name="Title 1">
+            <a:extLst>
+              <a:ext uri="{FF2B5EF4-FFF2-40B4-BE49-F238E27FC236}">
+                <a16:creationId xmlns:a16="http://schemas.microsoft.com/office/drawing/2014/main" id="{CFF59B66-1651-4FCD-B326-51959DA45C8F}"/>
+              </a:ext>
+            </a:extLst>
+          </p:cNvPr>
+          <p:cNvSpPr>
+            <a:spLocks noGrp="1"/>
+          </p:cNvSpPr>
+          <p:nvPr>
+            <p:ph type="title"/>
+          </p:nvPr>
+        </p:nvSpPr>
+        <p:spPr/>
+        <p:txBody>
+          <a:bodyPr/>
+          <a:lstStyle/>
+          <a:p>
+            <a:pPr algn="ctr"/>
+            <a:r>
+              <a:rPr lang="en-US" b="1" dirty="0">
+                <a:latin typeface="Arial"/>
+                <a:cs typeface="Arial"/>
+              </a:rPr>
+              <a:t>Conclusion</a:t>
+            </a:r>
+            <a:endParaRPr lang="en-US" dirty="0"/>
+          </a:p>
+        </p:txBody>
+      </p:sp>
+      <p:sp>
+        <p:nvSpPr>
+          <p:cNvPr id="4" name="TextBox 3">
+            <a:extLst>
+              <a:ext uri="{FF2B5EF4-FFF2-40B4-BE49-F238E27FC236}">
+                <a16:creationId xmlns:a16="http://schemas.microsoft.com/office/drawing/2014/main" id="{362702D3-DA8A-4DF1-AC53-10B013D6C193}"/>
+              </a:ext>
+            </a:extLst>
+          </p:cNvPr>
+          <p:cNvSpPr txBox="1"/>
+          <p:nvPr/>
+        </p:nvSpPr>
+        <p:spPr>
+          <a:xfrm>
+            <a:off x="1258711" y="2782711"/>
+            <a:ext cx="2743200" cy="369332"/>
+          </a:xfrm>
+          <a:prstGeom prst="rect">
+            <a:avLst/>
+          </a:prstGeom>
+          <a:noFill/>
+        </p:spPr>
+        <p:txBody>
+          <a:bodyPr rot="0" spcFirstLastPara="0" vertOverflow="overflow" horzOverflow="overflow" vert="horz" wrap="square" lIns="91440" tIns="45720" rIns="91440" bIns="45720" numCol="1" spcCol="0" rtlCol="0" fromWordArt="0" anchor="t" anchorCtr="0" forceAA="0" compatLnSpc="1">
+            <a:prstTxWarp prst="textNoShape">
+              <a:avLst/>
+            </a:prstTxWarp>
+            <a:spAutoFit/>
+          </a:bodyPr>
+          <a:lstStyle/>
+          <a:p>
+            <a:endParaRPr lang="en-US" dirty="0"/>
+          </a:p>
+        </p:txBody>
+      </p:sp>
+      <p:sp>
+        <p:nvSpPr>
+          <p:cNvPr id="5" name="Rectangle: Rounded Corners 4">
+            <a:extLst>
+              <a:ext uri="{FF2B5EF4-FFF2-40B4-BE49-F238E27FC236}">
+                <a16:creationId xmlns:a16="http://schemas.microsoft.com/office/drawing/2014/main" id="{AC480865-C4A3-40B0-9CEA-A0A34395510B}"/>
+              </a:ext>
+            </a:extLst>
+          </p:cNvPr>
+          <p:cNvSpPr/>
+          <p:nvPr/>
+        </p:nvSpPr>
+        <p:spPr>
+          <a:xfrm>
+            <a:off x="964360" y="2418237"/>
+            <a:ext cx="8274754" cy="3984977"/>
+          </a:xfrm>
+          <a:prstGeom prst="roundRect">
+            <a:avLst/>
+          </a:prstGeom>
+        </p:spPr>
+        <p:style>
+          <a:lnRef idx="2">
+            <a:schemeClr val="accent1">
+              <a:shade val="50000"/>
+            </a:schemeClr>
+          </a:lnRef>
+          <a:fillRef idx="1">
+            <a:schemeClr val="accent1"/>
+          </a:fillRef>
+          <a:effectRef idx="0">
+            <a:schemeClr val="accent1"/>
+          </a:effectRef>
+          <a:fontRef idx="minor">
+            <a:schemeClr val="lt1"/>
+          </a:fontRef>
+        </p:style>
+        <p:txBody>
+          <a:bodyPr lIns="91440" tIns="45720" rIns="91440" bIns="45720" rtlCol="0" anchor="ctr"/>
+          <a:lstStyle/>
+          <a:p>
+            <a:pPr marL="457200" indent="-457200">
+              <a:lnSpc>
+                <a:spcPct val="90000"/>
+              </a:lnSpc>
+              <a:spcBef>
+                <a:spcPts val="1200"/>
+              </a:spcBef>
+              <a:spcAft>
+                <a:spcPts val="200"/>
+              </a:spcAft>
+              <a:buAutoNum type="arabicPeriod"/>
+            </a:pPr>
+            <a:r>
+              <a:rPr lang="en-US" sz="1200" dirty="0">
+                <a:solidFill>
+                  <a:schemeClr val="tx1"/>
+                </a:solidFill>
+                <a:ea typeface="+mn-lt"/>
+                <a:cs typeface="+mn-lt"/>
+              </a:rPr>
+              <a:t>The provided data has lot of null and missing values. Columns with more that 50% null have been dropped and null have been enriched wherever applicable.</a:t>
+            </a:r>
+            <a:endParaRPr lang="en-US"/>
+          </a:p>
+          <a:p>
+            <a:pPr marL="457200" indent="-457200">
+              <a:lnSpc>
+                <a:spcPct val="90000"/>
+              </a:lnSpc>
+              <a:spcBef>
+                <a:spcPts val="1200"/>
+              </a:spcBef>
+              <a:spcAft>
+                <a:spcPts val="200"/>
+              </a:spcAft>
+              <a:buAutoNum type="arabicPeriod"/>
+            </a:pPr>
+            <a:r>
+              <a:rPr lang="en-US" sz="1200" dirty="0">
+                <a:solidFill>
+                  <a:schemeClr val="tx1"/>
+                </a:solidFill>
+                <a:ea typeface="+mn-lt"/>
+                <a:cs typeface="+mn-lt"/>
+              </a:rPr>
+              <a:t>Few of the columns had malformed data. Those were standardized.</a:t>
+            </a:r>
+          </a:p>
+          <a:p>
+            <a:pPr marL="457200" indent="-457200">
+              <a:lnSpc>
+                <a:spcPct val="90000"/>
+              </a:lnSpc>
+              <a:spcBef>
+                <a:spcPts val="1200"/>
+              </a:spcBef>
+              <a:spcAft>
+                <a:spcPts val="200"/>
+              </a:spcAft>
+              <a:buAutoNum type="arabicPeriod"/>
+            </a:pPr>
+            <a:r>
+              <a:rPr lang="en-US" sz="1200" dirty="0">
+                <a:solidFill>
+                  <a:schemeClr val="tx1"/>
+                </a:solidFill>
+                <a:ea typeface="+mn-lt"/>
+                <a:cs typeface="+mn-lt"/>
+              </a:rPr>
+              <a:t>Business driven, data driven and type driven derived columns are created as required.</a:t>
+            </a:r>
+          </a:p>
+          <a:p>
+            <a:pPr marL="457200" indent="-457200">
+              <a:lnSpc>
+                <a:spcPct val="90000"/>
+              </a:lnSpc>
+              <a:spcBef>
+                <a:spcPts val="1200"/>
+              </a:spcBef>
+              <a:spcAft>
+                <a:spcPts val="200"/>
+              </a:spcAft>
+              <a:buAutoNum type="arabicPeriod"/>
+            </a:pPr>
+            <a:r>
+              <a:rPr lang="en-US" sz="1200" dirty="0">
+                <a:solidFill>
+                  <a:schemeClr val="tx1"/>
+                </a:solidFill>
+                <a:ea typeface="+mn-lt"/>
+                <a:cs typeface="+mn-lt"/>
+              </a:rPr>
+              <a:t>After data understanding and cleanup, univariate and bivariate analysis have been done.</a:t>
+            </a:r>
+          </a:p>
+          <a:p>
+            <a:pPr marL="457200" indent="-457200">
+              <a:lnSpc>
+                <a:spcPct val="90000"/>
+              </a:lnSpc>
+              <a:spcBef>
+                <a:spcPts val="1200"/>
+              </a:spcBef>
+              <a:spcAft>
+                <a:spcPts val="200"/>
+              </a:spcAft>
+              <a:buAutoNum type="arabicPeriod"/>
+            </a:pPr>
+            <a:r>
+              <a:rPr lang="en-US" sz="1200" dirty="0">
+                <a:solidFill>
+                  <a:schemeClr val="tx1"/>
+                </a:solidFill>
+                <a:ea typeface="+mn-lt"/>
+                <a:cs typeface="+mn-lt"/>
+              </a:rPr>
+              <a:t>Few of the strong driver variables identified are as follows: </a:t>
+            </a:r>
+          </a:p>
+          <a:p>
+            <a:pPr marL="543560" lvl="1" indent="-342900">
+              <a:lnSpc>
+                <a:spcPct val="90000"/>
+              </a:lnSpc>
+              <a:spcBef>
+                <a:spcPts val="200"/>
+              </a:spcBef>
+              <a:spcAft>
+                <a:spcPts val="400"/>
+              </a:spcAft>
+              <a:buAutoNum type="romanUcPeriod"/>
+            </a:pPr>
+            <a:r>
+              <a:rPr lang="en-US" sz="1200" dirty="0">
+                <a:solidFill>
+                  <a:schemeClr val="tx1"/>
+                </a:solidFill>
+                <a:ea typeface="+mn-lt"/>
+                <a:cs typeface="+mn-lt"/>
+              </a:rPr>
+              <a:t>Increasing rate of interest shows more loan defaulter. Loans with greater interest might be a risk.</a:t>
+            </a:r>
+          </a:p>
+          <a:p>
+            <a:pPr marL="543560" lvl="1" indent="-342900">
+              <a:lnSpc>
+                <a:spcPct val="90000"/>
+              </a:lnSpc>
+              <a:spcBef>
+                <a:spcPts val="200"/>
+              </a:spcBef>
+              <a:spcAft>
+                <a:spcPts val="400"/>
+              </a:spcAft>
+              <a:buAutoNum type="romanUcPeriod"/>
+            </a:pPr>
+            <a:r>
+              <a:rPr lang="en-US" sz="1200" dirty="0">
+                <a:solidFill>
+                  <a:schemeClr val="tx1"/>
+                </a:solidFill>
+                <a:ea typeface="+mn-lt"/>
+                <a:cs typeface="+mn-lt"/>
+              </a:rPr>
+              <a:t>Number of borrower from CA is most and it also has the highest number of defaulter. Borrower from state CA needs to be scrutinized properly.</a:t>
+            </a:r>
+          </a:p>
+          <a:p>
+            <a:pPr marL="543560" lvl="1" indent="-342900">
+              <a:lnSpc>
+                <a:spcPct val="90000"/>
+              </a:lnSpc>
+              <a:spcBef>
+                <a:spcPts val="200"/>
+              </a:spcBef>
+              <a:spcAft>
+                <a:spcPts val="400"/>
+              </a:spcAft>
+              <a:buAutoNum type="romanUcPeriod"/>
+            </a:pPr>
+            <a:r>
+              <a:rPr lang="en-US" sz="1200" dirty="0">
+                <a:solidFill>
+                  <a:schemeClr val="tx1"/>
+                </a:solidFill>
+                <a:ea typeface="+mn-lt"/>
+                <a:cs typeface="+mn-lt"/>
+              </a:rPr>
+              <a:t>Lower grade of loan with increasing rate of interest shows higher chances of defaulter.</a:t>
+            </a:r>
+          </a:p>
+          <a:p>
+            <a:pPr marL="543560" lvl="1" indent="-342900">
+              <a:lnSpc>
+                <a:spcPct val="90000"/>
+              </a:lnSpc>
+              <a:spcBef>
+                <a:spcPts val="200"/>
+              </a:spcBef>
+              <a:spcAft>
+                <a:spcPts val="400"/>
+              </a:spcAft>
+              <a:buAutoNum type="romanUcPeriod"/>
+            </a:pPr>
+            <a:r>
+              <a:rPr lang="en-US" sz="1200" dirty="0">
+                <a:solidFill>
+                  <a:schemeClr val="tx1"/>
+                </a:solidFill>
+                <a:ea typeface="+mn-lt"/>
+                <a:cs typeface="+mn-lt"/>
+              </a:rPr>
+              <a:t>Loan with 60 months term shows greater number of defaulter when rate of interest is high.</a:t>
+            </a:r>
+          </a:p>
+          <a:p>
+            <a:pPr marL="543560" lvl="1" indent="-342900">
+              <a:lnSpc>
+                <a:spcPct val="90000"/>
+              </a:lnSpc>
+              <a:spcBef>
+                <a:spcPts val="200"/>
+              </a:spcBef>
+              <a:spcAft>
+                <a:spcPts val="400"/>
+              </a:spcAft>
+              <a:buAutoNum type="romanUcPeriod"/>
+            </a:pPr>
+            <a:r>
+              <a:rPr lang="en-US" sz="1200" dirty="0">
+                <a:solidFill>
+                  <a:schemeClr val="tx1"/>
+                </a:solidFill>
+                <a:ea typeface="+mn-lt"/>
+                <a:cs typeface="+mn-lt"/>
+              </a:rPr>
+              <a:t>Mortgaged and rented homeowners shows a greater number of loan with more defaulters when interest rate is medium to high.</a:t>
+            </a:r>
+          </a:p>
+          <a:p>
+            <a:pPr marL="543560" lvl="1" indent="-342900">
+              <a:lnSpc>
+                <a:spcPct val="90000"/>
+              </a:lnSpc>
+              <a:spcBef>
+                <a:spcPts val="200"/>
+              </a:spcBef>
+              <a:spcAft>
+                <a:spcPts val="400"/>
+              </a:spcAft>
+              <a:buAutoNum type="romanUcPeriod"/>
+            </a:pPr>
+            <a:r>
+              <a:rPr lang="en-US" sz="1200" dirty="0">
+                <a:solidFill>
+                  <a:schemeClr val="tx1"/>
+                </a:solidFill>
+                <a:ea typeface="+mn-lt"/>
+                <a:cs typeface="+mn-lt"/>
+              </a:rPr>
+              <a:t>most of the people have taken loan for debt consolidation with high interest rate.</a:t>
+            </a:r>
+          </a:p>
+          <a:p>
+            <a:endParaRPr lang="en-US" sz="1200" dirty="0">
+              <a:solidFill>
+                <a:schemeClr val="tx1"/>
+              </a:solidFill>
+            </a:endParaRPr>
+          </a:p>
+        </p:txBody>
+      </p:sp>
+    </p:spTree>
+    <p:extLst>
+      <p:ext uri="{BB962C8B-B14F-4D97-AF65-F5344CB8AC3E}">
+        <p14:creationId xmlns:p14="http://schemas.microsoft.com/office/powerpoint/2010/main" val="2894992994"/>
+      </p:ext>
+    </p:extLst>
+  </p:cSld>
+  <p:clrMapOvr>
+    <a:masterClrMapping/>
+  </p:clrMapOvr>
+</p:sld>
+</file>
+
 <file path=ppt/slides/slide2.xml><?xml version="1.0" encoding="utf-8"?>
 <p:sld xmlns:a="http://schemas.openxmlformats.org/drawingml/2006/main" xmlns:r="http://schemas.openxmlformats.org/officeDocument/2006/relationships" xmlns:p="http://schemas.openxmlformats.org/presentationml/2006/main">
   <p:cSld>
@@ -14757,9 +15424,9 @@
                 <a:latin typeface="Arial"/>
                 <a:cs typeface="Arial"/>
               </a:rPr>
-              <a:t>Approach</a:t>
-            </a:r>
-            <a:endParaRPr lang="en-US" b="1"/>
+              <a:t>Methodology</a:t>
+            </a:r>
+            <a:endParaRPr lang="en-US" b="1" dirty="0"/>
           </a:p>
         </p:txBody>
       </p:sp>
@@ -15659,17 +16326,17 @@
                 <a:latin typeface="Arial"/>
                 <a:cs typeface="Arial"/>
               </a:rPr>
-              <a:t>Impact on Loan Status</a:t>
+              <a:t>Overview of Lending Club</a:t>
             </a:r>
           </a:p>
         </p:txBody>
       </p:sp>
       <p:pic>
         <p:nvPicPr>
-          <p:cNvPr id="6" name="Picture 6" descr="Chart, bar chart&#10;&#10;Description automatically generated">
+          <p:cNvPr id="3" name="Picture 3" descr="Chart, bar chart&#10;&#10;Description automatically generated">
             <a:extLst>
               <a:ext uri="{FF2B5EF4-FFF2-40B4-BE49-F238E27FC236}">
-                <a16:creationId xmlns:a16="http://schemas.microsoft.com/office/drawing/2014/main" id="{19A25C13-C2AD-4113-B43E-DE4761BE2F5A}"/>
+                <a16:creationId xmlns:a16="http://schemas.microsoft.com/office/drawing/2014/main" id="{5951C04C-5E19-4A18-9872-5370193A29FD}"/>
               </a:ext>
             </a:extLst>
           </p:cNvPr>
@@ -15678,28 +16345,176 @@
           </p:cNvPicPr>
           <p:nvPr/>
         </p:nvPicPr>
-        <p:blipFill>
+        <p:blipFill rotWithShape="1">
           <a:blip r:embed="rId2"/>
-          <a:stretch>
-            <a:fillRect/>
-          </a:stretch>
+          <a:srcRect l="8672" t="8774" r="8762" b="6720"/>
+          <a:stretch/>
         </p:blipFill>
         <p:spPr>
           <a:xfrm>
-            <a:off x="1877684" y="2783541"/>
-            <a:ext cx="5589916" cy="3159974"/>
+            <a:off x="600800" y="3573923"/>
+            <a:ext cx="5475222" cy="3152889"/>
           </a:xfrm>
           <a:prstGeom prst="rect">
             <a:avLst/>
           </a:prstGeom>
         </p:spPr>
       </p:pic>
+      <p:sp>
+        <p:nvSpPr>
+          <p:cNvPr id="4" name="TextBox 3">
+            <a:extLst>
+              <a:ext uri="{FF2B5EF4-FFF2-40B4-BE49-F238E27FC236}">
+                <a16:creationId xmlns:a16="http://schemas.microsoft.com/office/drawing/2014/main" id="{362702D3-DA8A-4DF1-AC53-10B013D6C193}"/>
+              </a:ext>
+            </a:extLst>
+          </p:cNvPr>
+          <p:cNvSpPr txBox="1"/>
+          <p:nvPr/>
+        </p:nvSpPr>
+        <p:spPr>
+          <a:xfrm>
+            <a:off x="1258711" y="2782711"/>
+            <a:ext cx="2743200" cy="369332"/>
+          </a:xfrm>
+          <a:prstGeom prst="rect">
+            <a:avLst/>
+          </a:prstGeom>
+          <a:noFill/>
+        </p:spPr>
+        <p:txBody>
+          <a:bodyPr rot="0" spcFirstLastPara="0" vertOverflow="overflow" horzOverflow="overflow" vert="horz" wrap="square" lIns="91440" tIns="45720" rIns="91440" bIns="45720" numCol="1" spcCol="0" rtlCol="0" fromWordArt="0" anchor="t" anchorCtr="0" forceAA="0" compatLnSpc="1">
+            <a:prstTxWarp prst="textNoShape">
+              <a:avLst/>
+            </a:prstTxWarp>
+            <a:spAutoFit/>
+          </a:bodyPr>
+          <a:lstStyle/>
+          <a:p>
+            <a:endParaRPr lang="en-US" dirty="0"/>
+          </a:p>
+        </p:txBody>
+      </p:sp>
+      <p:sp>
+        <p:nvSpPr>
+          <p:cNvPr id="5" name="Rectangle: Rounded Corners 4">
+            <a:extLst>
+              <a:ext uri="{FF2B5EF4-FFF2-40B4-BE49-F238E27FC236}">
+                <a16:creationId xmlns:a16="http://schemas.microsoft.com/office/drawing/2014/main" id="{AC480865-C4A3-40B0-9CEA-A0A34395510B}"/>
+              </a:ext>
+            </a:extLst>
+          </p:cNvPr>
+          <p:cNvSpPr/>
+          <p:nvPr/>
+        </p:nvSpPr>
+        <p:spPr>
+          <a:xfrm>
+            <a:off x="964360" y="2418237"/>
+            <a:ext cx="4888088" cy="914400"/>
+          </a:xfrm>
+          <a:prstGeom prst="roundRect">
+            <a:avLst/>
+          </a:prstGeom>
+        </p:spPr>
+        <p:style>
+          <a:lnRef idx="2">
+            <a:schemeClr val="accent1">
+              <a:shade val="50000"/>
+            </a:schemeClr>
+          </a:lnRef>
+          <a:fillRef idx="1">
+            <a:schemeClr val="accent1"/>
+          </a:fillRef>
+          <a:effectRef idx="0">
+            <a:schemeClr val="accent1"/>
+          </a:effectRef>
+          <a:fontRef idx="minor">
+            <a:schemeClr val="lt1"/>
+          </a:fontRef>
+        </p:style>
+        <p:txBody>
+          <a:bodyPr rtlCol="0" anchor="ctr"/>
+          <a:lstStyle/>
+          <a:p>
+            <a:r>
+              <a:rPr lang="en-US" dirty="0">
+                <a:solidFill>
+                  <a:schemeClr val="tx1"/>
+                </a:solidFill>
+                <a:ea typeface="+mn-lt"/>
+                <a:cs typeface="+mn-lt"/>
+              </a:rPr>
+              <a:t>14.4% of total borrower accounts for defaulter</a:t>
+            </a:r>
+          </a:p>
+          <a:p>
+            <a:pPr algn="ctr"/>
+            <a:endParaRPr lang="en-US" dirty="0">
+              <a:solidFill>
+                <a:schemeClr val="tx1"/>
+              </a:solidFill>
+            </a:endParaRPr>
+          </a:p>
+        </p:txBody>
+      </p:sp>
+      <p:sp>
+        <p:nvSpPr>
+          <p:cNvPr id="8" name="Rectangle: Rounded Corners 7">
+            <a:extLst>
+              <a:ext uri="{FF2B5EF4-FFF2-40B4-BE49-F238E27FC236}">
+                <a16:creationId xmlns:a16="http://schemas.microsoft.com/office/drawing/2014/main" id="{01984852-74E2-43AB-81F3-152250B57A3C}"/>
+              </a:ext>
+            </a:extLst>
+          </p:cNvPr>
+          <p:cNvSpPr/>
+          <p:nvPr/>
+        </p:nvSpPr>
+        <p:spPr>
+          <a:xfrm>
+            <a:off x="6567990" y="2417585"/>
+            <a:ext cx="4888088" cy="914400"/>
+          </a:xfrm>
+          <a:prstGeom prst="roundRect">
+            <a:avLst/>
+          </a:prstGeom>
+        </p:spPr>
+        <p:style>
+          <a:lnRef idx="2">
+            <a:schemeClr val="accent1">
+              <a:shade val="50000"/>
+            </a:schemeClr>
+          </a:lnRef>
+          <a:fillRef idx="1">
+            <a:schemeClr val="accent1"/>
+          </a:fillRef>
+          <a:effectRef idx="0">
+            <a:schemeClr val="accent1"/>
+          </a:effectRef>
+          <a:fontRef idx="minor">
+            <a:schemeClr val="lt1"/>
+          </a:fontRef>
+        </p:style>
+        <p:txBody>
+          <a:bodyPr lIns="91440" tIns="45720" rIns="91440" bIns="45720" rtlCol="0" anchor="ctr"/>
+          <a:lstStyle/>
+          <a:p>
+            <a:r>
+              <a:rPr lang="en-US" dirty="0">
+                <a:solidFill>
+                  <a:schemeClr val="tx1"/>
+                </a:solidFill>
+              </a:rPr>
+              <a:t>Average profit is of 9.51%</a:t>
+            </a:r>
+          </a:p>
+        </p:txBody>
+      </p:sp>
       <p:pic>
         <p:nvPicPr>
-          <p:cNvPr id="7" name="Picture 7" descr="Chart, bar chart&#10;&#10;Description automatically generated">
+          <p:cNvPr id="9" name="Picture 9" descr="Chart, box and whisker chart&#10;&#10;Description automatically generated">
             <a:extLst>
               <a:ext uri="{FF2B5EF4-FFF2-40B4-BE49-F238E27FC236}">
-                <a16:creationId xmlns:a16="http://schemas.microsoft.com/office/drawing/2014/main" id="{8177FB3D-5132-4432-8AD9-B08F747D241A}"/>
+                <a16:creationId xmlns:a16="http://schemas.microsoft.com/office/drawing/2014/main" id="{A0E883F4-C1CF-4A63-B22B-D58F3C563537}"/>
               </a:ext>
             </a:extLst>
           </p:cNvPr>
@@ -15716,8 +16531,8 @@
         </p:blipFill>
         <p:spPr>
           <a:xfrm>
-            <a:off x="4724400" y="2783541"/>
-            <a:ext cx="5604294" cy="2642389"/>
+            <a:off x="6391465" y="3756812"/>
+            <a:ext cx="5802922" cy="2901460"/>
           </a:xfrm>
           <a:prstGeom prst="rect">
             <a:avLst/>
@@ -15728,6 +16543,286 @@
     <p:extLst>
       <p:ext uri="{BB962C8B-B14F-4D97-AF65-F5344CB8AC3E}">
         <p14:creationId xmlns:p14="http://schemas.microsoft.com/office/powerpoint/2010/main" val="4117597501"/>
+      </p:ext>
+    </p:extLst>
+  </p:cSld>
+  <p:clrMapOvr>
+    <a:masterClrMapping/>
+  </p:clrMapOvr>
+</p:sld>
+</file>
+
+<file path=ppt/slides/slide9.xml><?xml version="1.0" encoding="utf-8"?>
+<p:sld xmlns:a="http://schemas.openxmlformats.org/drawingml/2006/main" xmlns:r="http://schemas.openxmlformats.org/officeDocument/2006/relationships" xmlns:p="http://schemas.openxmlformats.org/presentationml/2006/main">
+  <p:cSld>
+    <p:bg>
+      <p:bgPr>
+        <a:solidFill>
+          <a:schemeClr val="bg1"/>
+        </a:solidFill>
+        <a:effectLst/>
+      </p:bgPr>
+    </p:bg>
+    <p:spTree>
+      <p:nvGrpSpPr>
+        <p:cNvPr id="1" name=""/>
+        <p:cNvGrpSpPr/>
+        <p:nvPr/>
+      </p:nvGrpSpPr>
+      <p:grpSpPr>
+        <a:xfrm>
+          <a:off x="0" y="0"/>
+          <a:ext cx="0" cy="0"/>
+          <a:chOff x="0" y="0"/>
+          <a:chExt cx="0" cy="0"/>
+        </a:xfrm>
+      </p:grpSpPr>
+      <p:sp>
+        <p:nvSpPr>
+          <p:cNvPr id="2" name="Title 1">
+            <a:extLst>
+              <a:ext uri="{FF2B5EF4-FFF2-40B4-BE49-F238E27FC236}">
+                <a16:creationId xmlns:a16="http://schemas.microsoft.com/office/drawing/2014/main" id="{CFF59B66-1651-4FCD-B326-51959DA45C8F}"/>
+              </a:ext>
+            </a:extLst>
+          </p:cNvPr>
+          <p:cNvSpPr>
+            <a:spLocks noGrp="1"/>
+          </p:cNvSpPr>
+          <p:nvPr>
+            <p:ph type="title"/>
+          </p:nvPr>
+        </p:nvSpPr>
+        <p:spPr>
+          <a:xfrm>
+            <a:off x="1154953" y="973668"/>
+            <a:ext cx="8761413" cy="706964"/>
+          </a:xfrm>
+        </p:spPr>
+        <p:txBody>
+          <a:bodyPr vert="horz" lIns="91440" tIns="45720" rIns="91440" bIns="45720" rtlCol="0" anchor="ctr">
+            <a:normAutofit/>
+          </a:bodyPr>
+          <a:lstStyle/>
+          <a:p>
+            <a:r>
+              <a:rPr lang="en-US" dirty="0"/>
+              <a:t>Impact of Interest Rate and Grade</a:t>
+            </a:r>
+          </a:p>
+        </p:txBody>
+      </p:sp>
+      <p:sp>
+        <p:nvSpPr>
+          <p:cNvPr id="8" name="Rectangle: Rounded Corners 7">
+            <a:extLst>
+              <a:ext uri="{FF2B5EF4-FFF2-40B4-BE49-F238E27FC236}">
+                <a16:creationId xmlns:a16="http://schemas.microsoft.com/office/drawing/2014/main" id="{01984852-74E2-43AB-81F3-152250B57A3C}"/>
+              </a:ext>
+            </a:extLst>
+          </p:cNvPr>
+          <p:cNvSpPr/>
+          <p:nvPr/>
+        </p:nvSpPr>
+        <p:spPr>
+          <a:xfrm>
+            <a:off x="1154955" y="2603500"/>
+            <a:ext cx="3481054" cy="3416300"/>
+          </a:xfrm>
+          <a:prstGeom prst="roundRect">
+            <a:avLst/>
+          </a:prstGeom>
+        </p:spPr>
+        <p:style>
+          <a:lnRef idx="2">
+            <a:schemeClr val="accent1">
+              <a:shade val="50000"/>
+            </a:schemeClr>
+          </a:lnRef>
+          <a:fillRef idx="1">
+            <a:schemeClr val="accent1"/>
+          </a:fillRef>
+          <a:effectRef idx="0">
+            <a:schemeClr val="accent1"/>
+          </a:effectRef>
+          <a:fontRef idx="minor">
+            <a:schemeClr val="lt1"/>
+          </a:fontRef>
+        </p:style>
+        <p:txBody>
+          <a:bodyPr vert="horz" lIns="91440" tIns="45720" rIns="91440" bIns="45720" rtlCol="0" anchor="ctr">
+            <a:normAutofit/>
+          </a:bodyPr>
+          <a:lstStyle/>
+          <a:p>
+            <a:pPr marL="285750" indent="-285750" defTabSz="457200">
+              <a:spcBef>
+                <a:spcPts val="1000"/>
+              </a:spcBef>
+              <a:buClr>
+                <a:schemeClr val="accent1"/>
+              </a:buClr>
+              <a:buSzPct val="80000"/>
+              <a:buFont typeface="Wingdings 3" charset="2"/>
+              <a:buChar char=""/>
+            </a:pPr>
+            <a:r>
+              <a:rPr lang="en-US" sz="1600">
+                <a:solidFill>
+                  <a:schemeClr val="tx1">
+                    <a:lumMod val="75000"/>
+                    <a:lumOff val="25000"/>
+                  </a:schemeClr>
+                </a:solidFill>
+              </a:rPr>
+              <a:t>Increasing rate of interest shows more loan defaulter. Loans with greater interest might be a risk.</a:t>
+            </a:r>
+          </a:p>
+          <a:p>
+            <a:pPr marL="285750" indent="-285750" defTabSz="457200">
+              <a:spcBef>
+                <a:spcPts val="1000"/>
+              </a:spcBef>
+              <a:buClr>
+                <a:schemeClr val="accent1"/>
+              </a:buClr>
+              <a:buSzPct val="80000"/>
+              <a:buFont typeface="Wingdings 3" charset="2"/>
+              <a:buChar char=""/>
+            </a:pPr>
+            <a:endParaRPr lang="en-US" sz="1600">
+              <a:solidFill>
+                <a:schemeClr val="tx1">
+                  <a:lumMod val="75000"/>
+                  <a:lumOff val="25000"/>
+                </a:schemeClr>
+              </a:solidFill>
+            </a:endParaRPr>
+          </a:p>
+          <a:p>
+            <a:pPr marL="285750" indent="-285750" defTabSz="457200">
+              <a:spcBef>
+                <a:spcPts val="1000"/>
+              </a:spcBef>
+              <a:buClr>
+                <a:schemeClr val="accent1"/>
+              </a:buClr>
+              <a:buSzPct val="80000"/>
+              <a:buFont typeface="Wingdings 3" charset="2"/>
+              <a:buChar char=""/>
+            </a:pPr>
+            <a:r>
+              <a:rPr lang="en-US" sz="1600">
+                <a:solidFill>
+                  <a:schemeClr val="tx1">
+                    <a:lumMod val="75000"/>
+                    <a:lumOff val="25000"/>
+                  </a:schemeClr>
+                </a:solidFill>
+              </a:rPr>
+              <a:t>Lower grade of loan with increasing rate of interest shows higher chances of defaulter.</a:t>
+            </a:r>
+          </a:p>
+          <a:p>
+            <a:pPr defTabSz="457200">
+              <a:spcBef>
+                <a:spcPts val="1000"/>
+              </a:spcBef>
+              <a:buClr>
+                <a:schemeClr val="accent1"/>
+              </a:buClr>
+              <a:buSzPct val="80000"/>
+              <a:buFont typeface="Wingdings 3" charset="2"/>
+              <a:buChar char=""/>
+            </a:pPr>
+            <a:endParaRPr lang="en-US" sz="1600">
+              <a:solidFill>
+                <a:schemeClr val="tx1">
+                  <a:lumMod val="75000"/>
+                  <a:lumOff val="25000"/>
+                </a:schemeClr>
+              </a:solidFill>
+            </a:endParaRPr>
+          </a:p>
+        </p:txBody>
+      </p:sp>
+      <p:pic>
+        <p:nvPicPr>
+          <p:cNvPr id="6" name="Picture 6" descr="Chart, scatter chart&#10;&#10;Description automatically generated">
+            <a:extLst>
+              <a:ext uri="{FF2B5EF4-FFF2-40B4-BE49-F238E27FC236}">
+                <a16:creationId xmlns:a16="http://schemas.microsoft.com/office/drawing/2014/main" id="{BAD11B3C-CA4F-4D1F-B22A-604E8CD17289}"/>
+              </a:ext>
+            </a:extLst>
+          </p:cNvPr>
+          <p:cNvPicPr>
+            <a:picLocks noChangeAspect="1"/>
+          </p:cNvPicPr>
+          <p:nvPr/>
+        </p:nvPicPr>
+        <p:blipFill rotWithShape="1">
+          <a:blip r:embed="rId2"/>
+          <a:srcRect l="9440" t="7381" r="8227" b="8197"/>
+          <a:stretch/>
+        </p:blipFill>
+        <p:spPr>
+          <a:xfrm>
+            <a:off x="5029877" y="2324395"/>
+            <a:ext cx="6814025" cy="3975919"/>
+          </a:xfrm>
+          <a:prstGeom prst="roundRect">
+            <a:avLst>
+              <a:gd name="adj" fmla="val 1858"/>
+            </a:avLst>
+          </a:prstGeom>
+          <a:effectLst>
+            <a:outerShdw blurRad="50800" dist="50800" dir="5400000" algn="tl" rotWithShape="0">
+              <a:srgbClr val="000000">
+                <a:alpha val="43000"/>
+              </a:srgbClr>
+            </a:outerShdw>
+          </a:effectLst>
+        </p:spPr>
+      </p:pic>
+      <p:sp>
+        <p:nvSpPr>
+          <p:cNvPr id="4" name="TextBox 3">
+            <a:extLst>
+              <a:ext uri="{FF2B5EF4-FFF2-40B4-BE49-F238E27FC236}">
+                <a16:creationId xmlns:a16="http://schemas.microsoft.com/office/drawing/2014/main" id="{362702D3-DA8A-4DF1-AC53-10B013D6C193}"/>
+              </a:ext>
+            </a:extLst>
+          </p:cNvPr>
+          <p:cNvSpPr txBox="1"/>
+          <p:nvPr/>
+        </p:nvSpPr>
+        <p:spPr>
+          <a:xfrm>
+            <a:off x="1258711" y="2782711"/>
+            <a:ext cx="2743200" cy="369332"/>
+          </a:xfrm>
+          <a:prstGeom prst="rect">
+            <a:avLst/>
+          </a:prstGeom>
+          <a:noFill/>
+        </p:spPr>
+        <p:txBody>
+          <a:bodyPr rot="0" spcFirstLastPara="0" vertOverflow="overflow" horzOverflow="overflow" vert="horz" wrap="square" lIns="91440" tIns="45720" rIns="91440" bIns="45720" numCol="1" spcCol="0" rtlCol="0" fromWordArt="0" anchor="t" anchorCtr="0" forceAA="0" compatLnSpc="1">
+            <a:prstTxWarp prst="textNoShape">
+              <a:avLst/>
+            </a:prstTxWarp>
+            <a:spAutoFit/>
+          </a:bodyPr>
+          <a:lstStyle/>
+          <a:p>
+            <a:endParaRPr lang="en-US" dirty="0"/>
+          </a:p>
+        </p:txBody>
+      </p:sp>
+    </p:spTree>
+    <p:extLst>
+      <p:ext uri="{BB962C8B-B14F-4D97-AF65-F5344CB8AC3E}">
+        <p14:creationId xmlns:p14="http://schemas.microsoft.com/office/powerpoint/2010/main" val="1779585804"/>
       </p:ext>
     </p:extLst>
   </p:cSld>
